--- a/trunk/preliminary/Working/presentations/KeyStoneII_ IPC.pptx
+++ b/trunk/preliminary/Working/presentations/KeyStoneII_ IPC.pptx
@@ -7379,23 +7379,8 @@
                 </a:solidFill>
                 <a:latin typeface="Calibri" pitchFamily="34" charset="0"/>
               </a:rPr>
-              <a:t>No. Most of the configuration is done by the system</a:t>
-            </a:r>
-            <a:r>
-              <a:rPr lang="en-US" sz="2000" dirty="0" smtClean="0">
-                <a:solidFill>
-                  <a:schemeClr val="dk1"/>
-                </a:solidFill>
-                <a:latin typeface="Calibri" pitchFamily="34" charset="0"/>
-              </a:rPr>
-              <a:t>. They are all “under the hood” </a:t>
-            </a:r>
-            <a:endParaRPr lang="en-US" sz="2000" dirty="0" smtClean="0">
-              <a:solidFill>
-                <a:schemeClr val="dk1"/>
-              </a:solidFill>
-              <a:latin typeface="Calibri" pitchFamily="34" charset="0"/>
-            </a:endParaRPr>
+              <a:t>No. Most of the configuration is done by the system. They are all “under the hood” </a:t>
+            </a:r>
           </a:p>
         </p:txBody>
       </p:sp>
@@ -7892,25 +7877,7 @@
                 </a:solidFill>
                 <a:latin typeface="Calibri" pitchFamily="34" charset="0"/>
               </a:rPr>
-              <a:t>, the MPAX register for each </a:t>
-            </a:r>
-            <a:r>
-              <a:rPr lang="en-US" dirty="0" smtClean="0">
-                <a:solidFill>
-                  <a:srgbClr val="000000"/>
-                </a:solidFill>
-                <a:latin typeface="Calibri" pitchFamily="34" charset="0"/>
-              </a:rPr>
-              <a:t>DSP core </a:t>
-            </a:r>
-            <a:r>
-              <a:rPr lang="en-US" dirty="0" smtClean="0">
-                <a:solidFill>
-                  <a:srgbClr val="000000"/>
-                </a:solidFill>
-                <a:latin typeface="Calibri" pitchFamily="34" charset="0"/>
-              </a:rPr>
-              <a:t>m</a:t>
+              <a:t>, the MPAX register for each DSP core m</a:t>
             </a:r>
             <a:r>
               <a:rPr lang="en-US" b="0" dirty="0" smtClean="0">
@@ -8069,25 +8036,7 @@
                 </a:solidFill>
                 <a:latin typeface="Calibri" pitchFamily="34" charset="0"/>
               </a:rPr>
-              <a:t>Communication between DSP core and ARM core requires knowledge of the DSP memory map by the MMU. To provide this knowledge, the MPM (Multiprocessor management unit on the ARM) must load the DSP code. </a:t>
-            </a:r>
-            <a:r>
-              <a:rPr lang="en-US" dirty="0" smtClean="0">
-                <a:solidFill>
-                  <a:srgbClr val="000000"/>
-                </a:solidFill>
-                <a:latin typeface="Calibri" pitchFamily="34" charset="0"/>
-              </a:rPr>
-              <a:t>Other DSP code load method will not support IPC between ARM and DSP</a:t>
-            </a:r>
-            <a:r>
-              <a:rPr lang="en-US" dirty="0" smtClean="0">
-                <a:solidFill>
-                  <a:srgbClr val="000000"/>
-                </a:solidFill>
-                <a:latin typeface="Calibri" pitchFamily="34" charset="0"/>
-              </a:rPr>
-              <a:t> </a:t>
+              <a:t>Communication between DSP core and ARM core requires knowledge of the DSP memory map by the MMU. To provide this knowledge, the MPM (Multiprocessor management unit on the ARM) must load the DSP code. Other DSP code load method will not support IPC between ARM and DSP </a:t>
             </a:r>
           </a:p>
           <a:p>
@@ -8112,16 +8061,7 @@
                 </a:solidFill>
                 <a:latin typeface="Calibri" pitchFamily="34" charset="0"/>
               </a:rPr>
-              <a:t>Messages </a:t>
-            </a:r>
-            <a:r>
-              <a:rPr lang="en-US" dirty="0" smtClean="0">
-                <a:solidFill>
-                  <a:srgbClr val="000000"/>
-                </a:solidFill>
-                <a:latin typeface="Calibri" pitchFamily="34" charset="0"/>
-              </a:rPr>
-              <a:t>are created and freed, but not necessarily in consecutive order:</a:t>
+              <a:t>Messages are created and freed, but not necessarily in consecutive order:</a:t>
             </a:r>
           </a:p>
           <a:p>
@@ -9844,11 +9784,7 @@
             </a:pPr>
             <a:r>
               <a:rPr lang="en-US" sz="2800" kern="1200" dirty="0" smtClean="0"/>
-              <a:t>Demos </a:t>
-            </a:r>
-            <a:r>
-              <a:rPr lang="en-US" sz="2800" kern="1200" dirty="0" smtClean="0"/>
-              <a:t>and examples</a:t>
+              <a:t>Demos and examples</a:t>
             </a:r>
           </a:p>
         </p:txBody>
@@ -17257,11 +17193,7 @@
             <a:pPr eaLnBrk="1" hangingPunct="1"/>
             <a:r>
               <a:rPr lang="en-US" sz="3600" dirty="0" smtClean="0"/>
-              <a:t>IPC Device to Device Using </a:t>
-            </a:r>
-            <a:r>
-              <a:rPr lang="en-US" sz="3600" dirty="0" smtClean="0"/>
-              <a:t>SRIO</a:t>
+              <a:t>IPC Device to Device Using SRIO</a:t>
             </a:r>
             <a:br>
               <a:rPr lang="en-US" sz="3600" dirty="0" smtClean="0"/>
@@ -17288,7 +17220,6 @@
               <a:rPr lang="en-US" sz="2800" dirty="0" smtClean="0"/>
               <a:t>(for now)</a:t>
             </a:r>
-            <a:endParaRPr lang="en-US" sz="2800" dirty="0" smtClean="0"/>
           </a:p>
         </p:txBody>
       </p:sp>
@@ -21492,11 +21423,7 @@
             </a:pPr>
             <a:r>
               <a:rPr lang="en-US" sz="2800" kern="1200" dirty="0" smtClean="0"/>
-              <a:t>Demos </a:t>
-            </a:r>
-            <a:r>
-              <a:rPr lang="en-US" sz="2800" kern="1200" dirty="0" smtClean="0"/>
-              <a:t>and examples</a:t>
+              <a:t>Demos and examples</a:t>
             </a:r>
           </a:p>
         </p:txBody>
@@ -21584,11 +21511,7 @@
             </a:r>
             <a:r>
               <a:rPr lang="en-US" dirty="0" smtClean="0"/>
-              <a:t>Fast</a:t>
-            </a:r>
-            <a:r>
-              <a:rPr lang="en-US" dirty="0" smtClean="0"/>
-              <a:t> </a:t>
+              <a:t>Fast </a:t>
             </a:r>
             <a:r>
               <a:rPr lang="en-US" dirty="0"/>
@@ -21663,7 +21586,7 @@
     </p:spTree>
     <p:extLst>
       <p:ext uri="{BB962C8B-B14F-4D97-AF65-F5344CB8AC3E}">
-        <p14:creationId xmlns="" xmlns:p14="http://schemas.microsoft.com/office/powerpoint/2010/main" val="2949941513"/>
+        <p14:creationId xmlns:p14="http://schemas.microsoft.com/office/powerpoint/2010/main" xmlns="" val="2949941513"/>
       </p:ext>
     </p:extLst>
   </p:cSld>
@@ -21787,11 +21710,7 @@
             </a:r>
             <a:r>
               <a:rPr lang="en-US" sz="2600" dirty="0" smtClean="0"/>
-              <a:t>instance of Multicore Navigator</a:t>
-            </a:r>
-            <a:r>
-              <a:rPr lang="en-US" sz="2600" dirty="0" smtClean="0"/>
-              <a:t>. (not implemented in the release yet)</a:t>
+              <a:t>instance of Multicore Navigator. (not implemented in the release yet)</a:t>
             </a:r>
             <a:endParaRPr lang="en-US" sz="2600" dirty="0"/>
           </a:p>
@@ -21800,7 +21719,7 @@
     </p:spTree>
     <p:extLst>
       <p:ext uri="{BB962C8B-B14F-4D97-AF65-F5344CB8AC3E}">
-        <p14:creationId xmlns="" xmlns:p14="http://schemas.microsoft.com/office/powerpoint/2010/main" val="3570460301"/>
+        <p14:creationId xmlns:p14="http://schemas.microsoft.com/office/powerpoint/2010/main" xmlns="" val="3570460301"/>
       </p:ext>
     </p:extLst>
   </p:cSld>
@@ -21950,7 +21869,7 @@
     </p:spTree>
     <p:extLst>
       <p:ext uri="{BB962C8B-B14F-4D97-AF65-F5344CB8AC3E}">
-        <p14:creationId xmlns="" xmlns:p14="http://schemas.microsoft.com/office/powerpoint/2010/main" val="1343013004"/>
+        <p14:creationId xmlns:p14="http://schemas.microsoft.com/office/powerpoint/2010/main" xmlns="" val="1343013004"/>
       </p:ext>
     </p:extLst>
   </p:cSld>
@@ -22102,7 +22021,7 @@
     </p:spTree>
     <p:extLst>
       <p:ext uri="{BB962C8B-B14F-4D97-AF65-F5344CB8AC3E}">
-        <p14:creationId xmlns="" xmlns:p14="http://schemas.microsoft.com/office/powerpoint/2010/main" val="2435015593"/>
+        <p14:creationId xmlns:p14="http://schemas.microsoft.com/office/powerpoint/2010/main" xmlns="" val="2435015593"/>
       </p:ext>
     </p:extLst>
   </p:cSld>
@@ -23188,7 +23107,7 @@
     </p:spTree>
     <p:extLst>
       <p:ext uri="{BB962C8B-B14F-4D97-AF65-F5344CB8AC3E}">
-        <p14:creationId xmlns="" xmlns:p14="http://schemas.microsoft.com/office/powerpoint/2010/main" val="2028189911"/>
+        <p14:creationId xmlns:p14="http://schemas.microsoft.com/office/powerpoint/2010/main" xmlns="" val="2028189911"/>
       </p:ext>
     </p:extLst>
   </p:cSld>
@@ -25083,7 +25002,7 @@
     </p:spTree>
     <p:extLst>
       <p:ext uri="{BB962C8B-B14F-4D97-AF65-F5344CB8AC3E}">
-        <p14:creationId xmlns="" xmlns:p14="http://schemas.microsoft.com/office/powerpoint/2010/main" val="3193823992"/>
+        <p14:creationId xmlns:p14="http://schemas.microsoft.com/office/powerpoint/2010/main" xmlns="" val="3193823992"/>
       </p:ext>
     </p:extLst>
   </p:cSld>
@@ -26617,7 +26536,7 @@
     </p:spTree>
     <p:extLst>
       <p:ext uri="{BB962C8B-B14F-4D97-AF65-F5344CB8AC3E}">
-        <p14:creationId xmlns="" xmlns:p14="http://schemas.microsoft.com/office/powerpoint/2010/main" val="3471990509"/>
+        <p14:creationId xmlns:p14="http://schemas.microsoft.com/office/powerpoint/2010/main" xmlns="" val="3471990509"/>
       </p:ext>
     </p:extLst>
   </p:cSld>
@@ -28462,7 +28381,7 @@
     </p:spTree>
     <p:extLst>
       <p:ext uri="{BB962C8B-B14F-4D97-AF65-F5344CB8AC3E}">
-        <p14:creationId xmlns="" xmlns:p14="http://schemas.microsoft.com/office/powerpoint/2010/main" val="4013618626"/>
+        <p14:creationId xmlns:p14="http://schemas.microsoft.com/office/powerpoint/2010/main" xmlns="" val="4013618626"/>
       </p:ext>
     </p:extLst>
   </p:cSld>
@@ -30755,7 +30674,7 @@
     </p:spTree>
     <p:extLst>
       <p:ext uri="{BB962C8B-B14F-4D97-AF65-F5344CB8AC3E}">
-        <p14:creationId xmlns="" xmlns:p14="http://schemas.microsoft.com/office/powerpoint/2010/main" val="75884266"/>
+        <p14:creationId xmlns:p14="http://schemas.microsoft.com/office/powerpoint/2010/main" xmlns="" val="75884266"/>
       </p:ext>
     </p:extLst>
   </p:cSld>
@@ -33182,7 +33101,7 @@
     </p:spTree>
     <p:extLst>
       <p:ext uri="{BB962C8B-B14F-4D97-AF65-F5344CB8AC3E}">
-        <p14:creationId xmlns="" xmlns:p14="http://schemas.microsoft.com/office/powerpoint/2010/main" val="1067303473"/>
+        <p14:creationId xmlns:p14="http://schemas.microsoft.com/office/powerpoint/2010/main" xmlns="" val="1067303473"/>
       </p:ext>
     </p:extLst>
   </p:cSld>
@@ -33356,11 +33275,7 @@
             </a:pPr>
             <a:r>
               <a:rPr lang="en-US" sz="2800" b="1" kern="1200" dirty="0" smtClean="0"/>
-              <a:t>Demos </a:t>
-            </a:r>
-            <a:r>
-              <a:rPr lang="en-US" sz="2800" b="1" kern="1200" dirty="0" smtClean="0"/>
-              <a:t>and examples</a:t>
+              <a:t>Demos and examples</a:t>
             </a:r>
           </a:p>
         </p:txBody>
@@ -33463,7 +33378,7 @@
     </p:spTree>
     <p:extLst>
       <p:ext uri="{BB962C8B-B14F-4D97-AF65-F5344CB8AC3E}">
-        <p14:creationId xmlns="" xmlns:p14="http://schemas.microsoft.com/office/powerpoint/2010/main" val="1343013004"/>
+        <p14:creationId xmlns:p14="http://schemas.microsoft.com/office/powerpoint/2010/main" xmlns="" val="1343013004"/>
       </p:ext>
     </p:extLst>
   </p:cSld>
@@ -33782,78 +33697,63 @@
           <a:p>
             <a:pPr lvl="1"/>
             <a:r>
-              <a:rPr lang="en-US" sz="2400" dirty="0" smtClean="0"/>
-              <a:t>Designed  for moving messages and short </a:t>
-            </a:r>
-            <a:r>
-              <a:rPr lang="en-US" sz="2400" dirty="0" smtClean="0"/>
-              <a:t>data</a:t>
+              <a:rPr lang="en-US" sz="2000" dirty="0" smtClean="0"/>
+              <a:t>Designed  for moving messages and short data</a:t>
             </a:r>
           </a:p>
           <a:p>
             <a:pPr lvl="1"/>
             <a:r>
-              <a:rPr lang="en-US" sz="2400" dirty="0" smtClean="0"/>
+              <a:rPr lang="en-US" sz="2000" dirty="0" smtClean="0"/>
               <a:t>Called “the control path” because messageQ is the “slow” path for data and Notify is limited to 32 bit messages </a:t>
             </a:r>
           </a:p>
           <a:p>
             <a:pPr lvl="1"/>
             <a:r>
-              <a:rPr lang="en-US" sz="2400" dirty="0" smtClean="0"/>
+              <a:rPr lang="en-US" sz="2000" dirty="0" smtClean="0"/>
               <a:t>Requires sysBios on the DSP side</a:t>
             </a:r>
-            <a:endParaRPr lang="en-US" sz="2400" dirty="0" smtClean="0"/>
           </a:p>
           <a:p>
             <a:pPr lvl="1"/>
             <a:r>
-              <a:rPr lang="en-US" sz="2400" dirty="0" smtClean="0"/>
-              <a:t>Compatible with old </a:t>
-            </a:r>
-            <a:r>
-              <a:rPr lang="en-US" sz="2400" dirty="0" smtClean="0"/>
-              <a:t>devices – same API</a:t>
-            </a:r>
-            <a:endParaRPr lang="en-US" sz="2400" dirty="0" smtClean="0"/>
+              <a:rPr lang="en-US" sz="2000" dirty="0" smtClean="0"/>
+              <a:t>Compatible with old devices – same API</a:t>
+            </a:r>
           </a:p>
           <a:p>
             <a:r>
               <a:rPr lang="en-US" sz="2800" dirty="0" smtClean="0"/>
-              <a:t>MsgCom – </a:t>
-            </a:r>
-            <a:r>
-              <a:rPr lang="en-US" sz="2800" dirty="0" smtClean="0"/>
-              <a:t>DSP</a:t>
-            </a:r>
-            <a:r>
-              <a:rPr lang="en-US" sz="2800" dirty="0" smtClean="0"/>
-              <a:t> </a:t>
-            </a:r>
-            <a:r>
-              <a:rPr lang="en-US" sz="2800" dirty="0" smtClean="0"/>
-              <a:t>and Linux (user domain) library based on the multicore navigator queues and logic </a:t>
+              <a:t>MsgCom – DSP and Linux (user domain) library based on the multicore navigator queues and logic </a:t>
             </a:r>
           </a:p>
           <a:p>
             <a:pPr lvl="1"/>
             <a:r>
-              <a:rPr lang="en-US" sz="2400" dirty="0" smtClean="0"/>
-              <a:t>Moving data fast between ARM-DSP and DSP to DSP with minimum intervention of the CPU</a:t>
-            </a:r>
-            <a:endParaRPr lang="en-US" sz="2400" dirty="0" smtClean="0"/>
+              <a:rPr lang="en-US" sz="2000" dirty="0" smtClean="0"/>
+              <a:t>Moving data fast between ARM-DSP and DSP to DSP with minimum intervention of the </a:t>
+            </a:r>
+            <a:r>
+              <a:rPr lang="en-US" sz="2000" dirty="0" smtClean="0"/>
+              <a:t>CPU</a:t>
+            </a:r>
           </a:p>
           <a:p>
             <a:pPr lvl="1"/>
             <a:r>
-              <a:rPr lang="en-US" sz="2400" dirty="0" smtClean="0"/>
-              <a:t>Supports </a:t>
-            </a:r>
-            <a:r>
-              <a:rPr lang="en-US" sz="2400" dirty="0" smtClean="0"/>
-              <a:t>many features of data move</a:t>
-            </a:r>
-            <a:endParaRPr lang="en-US" sz="2400" dirty="0"/>
+              <a:rPr lang="en-US" sz="2000" dirty="0" smtClean="0"/>
+              <a:t>Does not require BIOS</a:t>
+            </a:r>
+            <a:endParaRPr lang="en-US" sz="2000" dirty="0" smtClean="0"/>
+          </a:p>
+          <a:p>
+            <a:pPr lvl="1"/>
+            <a:r>
+              <a:rPr lang="en-US" sz="2000" dirty="0" smtClean="0"/>
+              <a:t>Supports many features of data move</a:t>
+            </a:r>
+            <a:endParaRPr lang="en-US" sz="2000" dirty="0"/>
           </a:p>
         </p:txBody>
       </p:sp>
@@ -34021,11 +33921,7 @@
             </a:pPr>
             <a:r>
               <a:rPr lang="en-US" sz="2800" kern="1200" dirty="0" smtClean="0"/>
-              <a:t>Demos </a:t>
-            </a:r>
-            <a:r>
-              <a:rPr lang="en-US" sz="2800" kern="1200" dirty="0" smtClean="0"/>
-              <a:t>and examples</a:t>
+              <a:t>Demos and examples</a:t>
             </a:r>
           </a:p>
         </p:txBody>
@@ -35856,16 +35752,7 @@
                 </a:solidFill>
                 <a:latin typeface="Calibri" pitchFamily="34" charset="0"/>
               </a:rPr>
-              <a:t>(Serial Rapid I/O</a:t>
-            </a:r>
-            <a:r>
-              <a:rPr lang="en-US" b="0" dirty="0" smtClean="0">
-                <a:solidFill>
-                  <a:schemeClr val="dk1"/>
-                </a:solidFill>
-                <a:latin typeface="Calibri" pitchFamily="34" charset="0"/>
-              </a:rPr>
-              <a:t>) – KeyStone I</a:t>
+              <a:t>(Serial Rapid I/O) – KeyStone I</a:t>
             </a:r>
             <a:endParaRPr lang="en-US" b="0" dirty="0" smtClean="0">
               <a:solidFill>
@@ -37438,10 +37325,6 @@
 </file>
 
 <file path=customXml/item1.xml><?xml version="1.0" encoding="utf-8"?>
-<LongProperties xmlns="http://schemas.microsoft.com/office/2006/metadata/longProperties"/>
-</file>
-
-<file path=customXml/item2.xml><?xml version="1.0" encoding="utf-8"?>
 <ct:contentTypeSchema xmlns:ct="http://schemas.microsoft.com/office/2006/metadata/contentType" xmlns:ma="http://schemas.microsoft.com/office/2006/metadata/properties/metaAttributes" ct:_="" ma:_="" ma:contentTypeName="Document" ma:contentTypeID="0x0101006BF34EDD2AB14F49969AD5B68D65D28C" ma:contentTypeVersion="1" ma:contentTypeDescription="Create a new document." ma:contentTypeScope="" ma:versionID="aec3fda75a9471671297bbb4606d1d91">
   <xsd:schema xmlns:xsd="http://www.w3.org/2001/XMLSchema" xmlns:p="http://schemas.microsoft.com/office/2006/metadata/properties" xmlns:ns2="99c847d8-566e-43ce-87b7-3c417d164c47" targetNamespace="http://schemas.microsoft.com/office/2006/metadata/properties" ma:root="true" ma:fieldsID="6b49c4b1e87cfd71c9528e3cb8636bc2" ns2:_="">
     <xsd:import namespace="99c847d8-566e-43ce-87b7-3c417d164c47"/>
@@ -37503,7 +37386,19 @@
 </ct:contentTypeSchema>
 </file>
 
+<file path=customXml/item2.xml><?xml version="1.0" encoding="utf-8"?>
+<LongProperties xmlns="http://schemas.microsoft.com/office/2006/metadata/longProperties"/>
+</file>
+
 <file path=customXml/item3.xml><?xml version="1.0" encoding="utf-8"?>
+<p:properties xmlns:p="http://schemas.microsoft.com/office/2006/metadata/properties" xmlns:xsi="http://www.w3.org/2001/XMLSchema-instance">
+  <documentManagement>
+    <Content_x0020_Owner xmlns="99c847d8-566e-43ce-87b7-3c417d164c47">Ramroop, Saffie</Content_x0020_Owner>
+  </documentManagement>
+</p:properties>
+</file>
+
+<file path=customXml/item4.xml><?xml version="1.0" encoding="utf-8"?>
 <?mso-contentType ?>
 <FormTemplates xmlns="http://schemas.microsoft.com/sharepoint/v3/contenttype/forms">
   <Display>DocumentLibraryForm</Display>
@@ -37512,23 +37407,7 @@
 </FormTemplates>
 </file>
 
-<file path=customXml/item4.xml><?xml version="1.0" encoding="utf-8"?>
-<p:properties xmlns:p="http://schemas.microsoft.com/office/2006/metadata/properties" xmlns:xsi="http://www.w3.org/2001/XMLSchema-instance">
-  <documentManagement>
-    <Content_x0020_Owner xmlns="99c847d8-566e-43ce-87b7-3c417d164c47">Ramroop, Saffie</Content_x0020_Owner>
-  </documentManagement>
-</p:properties>
-</file>
-
 <file path=customXml/itemProps1.xml><?xml version="1.0" encoding="utf-8"?>
-<ds:datastoreItem xmlns:ds="http://schemas.openxmlformats.org/officeDocument/2006/customXml" ds:itemID="{08087394-933C-48A1-8AD9-030539CA3EF7}">
-  <ds:schemaRefs>
-    <ds:schemaRef ds:uri="http://schemas.microsoft.com/office/2006/metadata/longProperties"/>
-  </ds:schemaRefs>
-</ds:datastoreItem>
-</file>
-
-<file path=customXml/itemProps2.xml><?xml version="1.0" encoding="utf-8"?>
 <ds:datastoreItem xmlns:ds="http://schemas.openxmlformats.org/officeDocument/2006/customXml" ds:itemID="{83529300-F1B4-4E63-A67B-9E50D1598C67}">
   <ds:schemaRefs>
     <ds:schemaRef ds:uri="http://schemas.microsoft.com/office/2006/metadata/contentType"/>
@@ -37545,19 +37424,27 @@
 </ds:datastoreItem>
 </file>
 
-<file path=customXml/itemProps3.xml><?xml version="1.0" encoding="utf-8"?>
-<ds:datastoreItem xmlns:ds="http://schemas.openxmlformats.org/officeDocument/2006/customXml" ds:itemID="{9247FEFF-82D0-4BBE-AA2E-6E8C28F7BBE5}">
+<file path=customXml/itemProps2.xml><?xml version="1.0" encoding="utf-8"?>
+<ds:datastoreItem xmlns:ds="http://schemas.openxmlformats.org/officeDocument/2006/customXml" ds:itemID="{08087394-933C-48A1-8AD9-030539CA3EF7}">
   <ds:schemaRefs>
-    <ds:schemaRef ds:uri="http://schemas.microsoft.com/sharepoint/v3/contenttype/forms"/>
+    <ds:schemaRef ds:uri="http://schemas.microsoft.com/office/2006/metadata/longProperties"/>
   </ds:schemaRefs>
 </ds:datastoreItem>
 </file>
 
-<file path=customXml/itemProps4.xml><?xml version="1.0" encoding="utf-8"?>
+<file path=customXml/itemProps3.xml><?xml version="1.0" encoding="utf-8"?>
 <ds:datastoreItem xmlns:ds="http://schemas.openxmlformats.org/officeDocument/2006/customXml" ds:itemID="{7CBBC1DF-22C6-4C0C-A1CC-096D390C1463}">
   <ds:schemaRefs>
     <ds:schemaRef ds:uri="http://schemas.microsoft.com/office/2006/metadata/properties"/>
     <ds:schemaRef ds:uri="99c847d8-566e-43ce-87b7-3c417d164c47"/>
   </ds:schemaRefs>
 </ds:datastoreItem>
+</file>
+
+<file path=customXml/itemProps4.xml><?xml version="1.0" encoding="utf-8"?>
+<ds:datastoreItem xmlns:ds="http://schemas.openxmlformats.org/officeDocument/2006/customXml" ds:itemID="{9247FEFF-82D0-4BBE-AA2E-6E8C28F7BBE5}">
+  <ds:schemaRefs>
+    <ds:schemaRef ds:uri="http://schemas.microsoft.com/sharepoint/v3/contenttype/forms"/>
+  </ds:schemaRefs>
+</ds:datastoreItem>
 </file>